--- a/antora/supplemental-ui/img/home/causeway-sticker.pptx
+++ b/antora/supplemental-ui/img/home/causeway-sticker.pptx
@@ -2998,10 +2998,10 @@
         </p:nvGrpSpPr>
         <p:grpSpPr>
           <a:xfrm>
-            <a:off x="-12123" y="24298"/>
-            <a:ext cx="2806086" cy="1610281"/>
-            <a:chOff x="-24114" y="-3"/>
-            <a:chExt cx="5915506" cy="4288581"/>
+            <a:off x="-54873" y="24298"/>
+            <a:ext cx="3022313" cy="1610281"/>
+            <a:chOff x="-114239" y="-3"/>
+            <a:chExt cx="6371338" cy="4288581"/>
           </a:xfrm>
         </p:grpSpPr>
         <p:sp>
@@ -3192,8 +3192,8 @@
           </p:nvSpPr>
           <p:spPr>
             <a:xfrm rot="16200000">
-              <a:off x="-474234" y="1315708"/>
-              <a:ext cx="2262769" cy="1362529"/>
+              <a:off x="-499477" y="1271107"/>
+              <a:ext cx="2262769" cy="1492294"/>
             </a:xfrm>
             <a:prstGeom prst="rect">
               <a:avLst/>
@@ -3207,7 +3207,7 @@
             <a:lstStyle/>
             <a:p>
               <a:r>
-                <a:rPr lang="en-GB" sz="3600" b="1">
+                <a:rPr lang="en-GB" sz="4000" b="1">
                   <a:solidFill>
                     <a:schemeClr val="bg1"/>
                   </a:solidFill>
@@ -3292,8 +3292,8 @@
           </p:nvSpPr>
           <p:spPr>
             <a:xfrm>
-              <a:off x="215735" y="2321294"/>
-              <a:ext cx="5675657" cy="1721341"/>
+              <a:off x="146877" y="2287590"/>
+              <a:ext cx="6110222" cy="1885277"/>
             </a:xfrm>
             <a:prstGeom prst="rect">
               <a:avLst/>
@@ -3307,7 +3307,7 @@
             <a:lstStyle/>
             <a:p>
               <a:r>
-                <a:rPr lang="en-GB" sz="3600" b="1">
+                <a:rPr lang="en-GB" sz="4000" b="1">
                   <a:solidFill>
                     <a:schemeClr val="bg1"/>
                   </a:solidFill>
@@ -3317,7 +3317,7 @@
                 </a:rPr>
                 <a:t>causeway</a:t>
               </a:r>
-              <a:endParaRPr lang="en-GB" sz="3600" b="1">
+              <a:endParaRPr lang="en-GB" sz="4000" b="1">
                 <a:solidFill>
                   <a:srgbClr val="7A263A"/>
                 </a:solidFill>
